--- a/sesija-18/PPT/Front-End Developer-18.pptx
+++ b/sesija-18/PPT/Front-End Developer-18.pptx
@@ -6,13 +6,14 @@
     <p:sldMasterId id="2147483676" r:id="rId2"/>
   </p:sldMasterIdLst>
   <p:notesMasterIdLst>
-    <p:notesMasterId r:id="rId7"/>
+    <p:notesMasterId r:id="rId8"/>
   </p:notesMasterIdLst>
   <p:sldIdLst>
     <p:sldId id="256" r:id="rId3"/>
     <p:sldId id="257" r:id="rId4"/>
     <p:sldId id="258" r:id="rId5"/>
     <p:sldId id="263" r:id="rId6"/>
+    <p:sldId id="264" r:id="rId7"/>
   </p:sldIdLst>
   <p:sldSz cx="12192000" cy="6858000"/>
   <p:notesSz cx="6858000" cy="9144000"/>
@@ -120,6 +121,7 @@
             <p14:sldId id="257"/>
             <p14:sldId id="258"/>
             <p14:sldId id="263"/>
+            <p14:sldId id="264"/>
           </p14:sldIdLst>
         </p14:section>
       </p14:sectionLst>
@@ -939,6 +941,10 @@
         <a:bodyPr/>
         <a:lstStyle/>
         <a:p>
+          <a:r>
+            <a:rPr lang="en-US" smtClean="0"/>
+            <a:t>DOM manipulation - nastavak</a:t>
+          </a:r>
           <a:endParaRPr lang="en-US"/>
         </a:p>
       </dgm:t>
@@ -1033,7 +1039,7 @@
       </dsp:nvSpPr>
       <dsp:spPr>
         <a:xfrm>
-          <a:off x="0" y="1548347"/>
+          <a:off x="0" y="1329704"/>
           <a:ext cx="8298873" cy="1521000"/>
         </a:xfrm>
         <a:prstGeom prst="roundRect">
@@ -1099,7 +1105,7 @@
         </a:p>
       </dsp:txBody>
       <dsp:txXfrm>
-        <a:off x="74249" y="1622596"/>
+        <a:off x="74249" y="1403953"/>
         <a:ext cx="8150375" cy="1372502"/>
       </dsp:txXfrm>
     </dsp:sp>
@@ -1110,8 +1116,8 @@
       </dsp:nvSpPr>
       <dsp:spPr>
         <a:xfrm>
-          <a:off x="0" y="3069347"/>
-          <a:ext cx="8298873" cy="1076400"/>
+          <a:off x="0" y="2850704"/>
+          <a:ext cx="8298873" cy="1513687"/>
         </a:xfrm>
         <a:prstGeom prst="rect">
           <a:avLst/>
@@ -1152,12 +1158,16 @@
             </a:spcAft>
             <a:buChar char="••"/>
           </a:pPr>
+          <a:r>
+            <a:rPr lang="en-US" sz="5100" kern="1200" smtClean="0"/>
+            <a:t>DOM manipulation - nastavak</a:t>
+          </a:r>
           <a:endParaRPr lang="en-US" sz="5100" kern="1200"/>
         </a:p>
       </dsp:txBody>
       <dsp:txXfrm>
-        <a:off x="0" y="3069347"/>
-        <a:ext cx="8298873" cy="1076400"/>
+        <a:off x="0" y="2850704"/>
+        <a:ext cx="8298873" cy="1513687"/>
       </dsp:txXfrm>
     </dsp:sp>
   </dsp:spTree>
@@ -2447,7 +2457,7 @@
           <a:p>
             <a:fld id="{D32AC403-8EB1-4D4E-8C3A-24BD19820531}" type="datetimeFigureOut">
               <a:rPr lang="en-US" smtClean="0"/>
-              <a:t>13-Mar-18</a:t>
+              <a:t>19-Mar-18</a:t>
             </a:fld>
             <a:endParaRPr lang="en-US"/>
           </a:p>
@@ -3193,7 +3203,7 @@
           <a:p>
             <a:fld id="{B35B300D-7DF5-4E96-8AA6-60E94C6E9F44}" type="datetimeFigureOut">
               <a:rPr lang="sr-Latn-RS" smtClean="0"/>
-              <a:t>13.3.2018.</a:t>
+              <a:t>19.3.2018.</a:t>
             </a:fld>
             <a:endParaRPr lang="sr-Latn-RS"/>
           </a:p>
@@ -3627,7 +3637,7 @@
           <a:p>
             <a:fld id="{B35B300D-7DF5-4E96-8AA6-60E94C6E9F44}" type="datetimeFigureOut">
               <a:rPr lang="sr-Latn-RS" smtClean="0"/>
-              <a:t>13.3.2018.</a:t>
+              <a:t>19.3.2018.</a:t>
             </a:fld>
             <a:endParaRPr lang="sr-Latn-RS"/>
           </a:p>
@@ -4001,7 +4011,7 @@
           <a:p>
             <a:fld id="{B35B300D-7DF5-4E96-8AA6-60E94C6E9F44}" type="datetimeFigureOut">
               <a:rPr lang="sr-Latn-RS" smtClean="0"/>
-              <a:t>13.3.2018.</a:t>
+              <a:t>19.3.2018.</a:t>
             </a:fld>
             <a:endParaRPr lang="sr-Latn-RS"/>
           </a:p>
@@ -4285,7 +4295,7 @@
           <a:p>
             <a:fld id="{B35B300D-7DF5-4E96-8AA6-60E94C6E9F44}" type="datetimeFigureOut">
               <a:rPr lang="sr-Latn-RS" smtClean="0"/>
-              <a:t>13.3.2018.</a:t>
+              <a:t>19.3.2018.</a:t>
             </a:fld>
             <a:endParaRPr lang="sr-Latn-RS"/>
           </a:p>
@@ -4462,7 +4472,7 @@
           <a:p>
             <a:fld id="{B35B300D-7DF5-4E96-8AA6-60E94C6E9F44}" type="datetimeFigureOut">
               <a:rPr lang="sr-Latn-RS" smtClean="0"/>
-              <a:t>13.3.2018.</a:t>
+              <a:t>19.3.2018.</a:t>
             </a:fld>
             <a:endParaRPr lang="sr-Latn-RS"/>
           </a:p>
@@ -4649,7 +4659,7 @@
           <a:p>
             <a:fld id="{B35B300D-7DF5-4E96-8AA6-60E94C6E9F44}" type="datetimeFigureOut">
               <a:rPr lang="sr-Latn-RS" smtClean="0"/>
-              <a:t>13.3.2018.</a:t>
+              <a:t>19.3.2018.</a:t>
             </a:fld>
             <a:endParaRPr lang="sr-Latn-RS"/>
           </a:p>
@@ -4896,7 +4906,7 @@
           <a:p>
             <a:fld id="{B35B300D-7DF5-4E96-8AA6-60E94C6E9F44}" type="datetimeFigureOut">
               <a:rPr lang="sr-Latn-RS" smtClean="0"/>
-              <a:t>13.3.2018.</a:t>
+              <a:t>19.3.2018.</a:t>
             </a:fld>
             <a:endParaRPr lang="sr-Latn-RS"/>
           </a:p>
@@ -5180,7 +5190,7 @@
           <a:p>
             <a:fld id="{B35B300D-7DF5-4E96-8AA6-60E94C6E9F44}" type="datetimeFigureOut">
               <a:rPr lang="sr-Latn-RS" smtClean="0"/>
-              <a:t>13.3.2018.</a:t>
+              <a:t>19.3.2018.</a:t>
             </a:fld>
             <a:endParaRPr lang="sr-Latn-RS"/>
           </a:p>
@@ -7099,7 +7109,7 @@
           <a:p>
             <a:fld id="{B35B300D-7DF5-4E96-8AA6-60E94C6E9F44}" type="datetimeFigureOut">
               <a:rPr lang="sr-Latn-RS" smtClean="0"/>
-              <a:t>13.3.2018.</a:t>
+              <a:t>19.3.2018.</a:t>
             </a:fld>
             <a:endParaRPr lang="sr-Latn-RS"/>
           </a:p>
@@ -7533,15 +7543,7 @@
             </a:br>
             <a:r>
               <a:rPr lang="en-US" b="1" smtClean="0"/>
-              <a:t>18 </a:t>
-            </a:r>
-            <a:r>
-              <a:rPr lang="en-US" b="1" smtClean="0"/>
-              <a:t>– </a:t>
-            </a:r>
-            <a:r>
-              <a:rPr lang="en-US" b="1" smtClean="0"/>
-              <a:t>21.03.2018</a:t>
+              <a:t>18 – 21.03.2018</a:t>
             </a:r>
             <a:endParaRPr lang="en-US"/>
           </a:p>
@@ -7670,7 +7672,7 @@
           <p:nvPr>
             <p:extLst>
               <p:ext uri="{D42A27DB-BD31-4B8C-83A1-F6EECF244321}">
-                <p14:modId xmlns:p14="http://schemas.microsoft.com/office/powerpoint/2010/main" val="571710413"/>
+                <p14:modId xmlns:p14="http://schemas.microsoft.com/office/powerpoint/2010/main" val="1229460459"/>
               </p:ext>
             </p:extLst>
           </p:nvPr>
@@ -7795,6 +7797,47 @@
           <a:lstStyle/>
           <a:p>
             <a:pPr lvl="1"/>
+            <a:r>
+              <a:rPr lang="en-US" smtClean="0"/>
+              <a:t>&lt;table&gt;</a:t>
+            </a:r>
+          </a:p>
+          <a:p>
+            <a:pPr lvl="1"/>
+            <a:r>
+              <a:rPr lang="en-US" smtClean="0"/>
+              <a:t>&lt;td&gt;</a:t>
+            </a:r>
+          </a:p>
+          <a:p>
+            <a:pPr lvl="1"/>
+            <a:r>
+              <a:rPr lang="en-US" smtClean="0"/>
+              <a:t>&lt;th&gt;</a:t>
+            </a:r>
+          </a:p>
+          <a:p>
+            <a:pPr lvl="1"/>
+            <a:r>
+              <a:rPr lang="en-US" smtClean="0"/>
+              <a:t>&lt;tr&gt;</a:t>
+            </a:r>
+          </a:p>
+          <a:p>
+            <a:pPr marL="457200" lvl="1" indent="0">
+              <a:buNone/>
+            </a:pPr>
+            <a:r>
+              <a:rPr lang="en-US" smtClean="0"/>
+              <a:t>rowspan</a:t>
+            </a:r>
+          </a:p>
+          <a:p>
+            <a:pPr lvl="1"/>
+            <a:r>
+              <a:rPr lang="en-US" smtClean="0"/>
+              <a:t>colspan</a:t>
+            </a:r>
             <a:endParaRPr lang="en-US" smtClean="0"/>
           </a:p>
         </p:txBody>
@@ -7823,6 +7866,35 @@
           </a:prstGeom>
         </p:spPr>
       </p:pic>
+      <p:sp>
+        <p:nvSpPr>
+          <p:cNvPr id="5" name="Content Placeholder 2"/>
+          <p:cNvSpPr>
+            <a:spLocks noGrp="1"/>
+          </p:cNvSpPr>
+          <p:nvPr>
+            <p:ph sz="half" idx="4294967295"/>
+          </p:nvPr>
+        </p:nvSpPr>
+        <p:spPr>
+          <a:xfrm>
+            <a:off x="5946371" y="1825625"/>
+            <a:ext cx="5570538" cy="4351338"/>
+          </a:xfrm>
+        </p:spPr>
+        <p:txBody>
+          <a:bodyPr/>
+          <a:lstStyle/>
+          <a:p>
+            <a:pPr lvl="1"/>
+            <a:r>
+              <a:rPr lang="en-US" smtClean="0"/>
+              <a:t>Nacini da se event doda na HTML element</a:t>
+            </a:r>
+            <a:endParaRPr lang="en-US" smtClean="0"/>
+          </a:p>
+        </p:txBody>
+      </p:sp>
     </p:spTree>
     <p:extLst>
       <p:ext uri="{BB962C8B-B14F-4D97-AF65-F5344CB8AC3E}">
@@ -7906,7 +7978,7 @@
             <a:pPr lvl="0"/>
             <a:r>
               <a:rPr lang="en-US" sz="4000" smtClean="0"/>
-              <a:t>text</a:t>
+              <a:t>DOM manipulation</a:t>
             </a:r>
             <a:endParaRPr lang="en-US" sz="4000"/>
           </a:p>
@@ -7929,6 +8001,93 @@
       </p:par>
     </p:tnLst>
   </p:timing>
+</p:sld>
+</file>
+
+<file path=ppt/slides/slide5.xml><?xml version="1.0" encoding="utf-8"?>
+<p:sld xmlns:a="http://schemas.openxmlformats.org/drawingml/2006/main" xmlns:r="http://schemas.openxmlformats.org/officeDocument/2006/relationships" xmlns:p="http://schemas.openxmlformats.org/presentationml/2006/main">
+  <p:cSld>
+    <p:spTree>
+      <p:nvGrpSpPr>
+        <p:cNvPr id="1" name=""/>
+        <p:cNvGrpSpPr/>
+        <p:nvPr/>
+      </p:nvGrpSpPr>
+      <p:grpSpPr>
+        <a:xfrm>
+          <a:off x="0" y="0"/>
+          <a:ext cx="0" cy="0"/>
+          <a:chOff x="0" y="0"/>
+          <a:chExt cx="0" cy="0"/>
+        </a:xfrm>
+      </p:grpSpPr>
+      <p:sp>
+        <p:nvSpPr>
+          <p:cNvPr id="3" name="Title 2"/>
+          <p:cNvSpPr>
+            <a:spLocks noGrp="1"/>
+          </p:cNvSpPr>
+          <p:nvPr>
+            <p:ph type="title"/>
+          </p:nvPr>
+        </p:nvSpPr>
+        <p:spPr/>
+        <p:txBody>
+          <a:bodyPr/>
+          <a:lstStyle/>
+          <a:p>
+            <a:endParaRPr lang="sr-Latn-RS"/>
+          </a:p>
+        </p:txBody>
+      </p:sp>
+      <p:sp>
+        <p:nvSpPr>
+          <p:cNvPr id="4" name="Content Placeholder 3"/>
+          <p:cNvSpPr>
+            <a:spLocks noGrp="1"/>
+          </p:cNvSpPr>
+          <p:nvPr>
+            <p:ph sz="half" idx="1"/>
+          </p:nvPr>
+        </p:nvSpPr>
+        <p:spPr/>
+        <p:txBody>
+          <a:bodyPr/>
+          <a:lstStyle/>
+          <a:p>
+            <a:endParaRPr lang="sr-Latn-RS"/>
+          </a:p>
+        </p:txBody>
+      </p:sp>
+      <p:sp>
+        <p:nvSpPr>
+          <p:cNvPr id="5" name="Content Placeholder 4"/>
+          <p:cNvSpPr>
+            <a:spLocks noGrp="1"/>
+          </p:cNvSpPr>
+          <p:nvPr>
+            <p:ph sz="half" idx="2"/>
+          </p:nvPr>
+        </p:nvSpPr>
+        <p:spPr/>
+        <p:txBody>
+          <a:bodyPr/>
+          <a:lstStyle/>
+          <a:p>
+            <a:endParaRPr lang="sr-Latn-RS"/>
+          </a:p>
+        </p:txBody>
+      </p:sp>
+    </p:spTree>
+    <p:extLst>
+      <p:ext uri="{BB962C8B-B14F-4D97-AF65-F5344CB8AC3E}">
+        <p14:creationId xmlns:p14="http://schemas.microsoft.com/office/powerpoint/2010/main" val="3540782906"/>
+      </p:ext>
+    </p:extLst>
+  </p:cSld>
+  <p:clrMapOvr>
+    <a:masterClrMapping/>
+  </p:clrMapOvr>
 </p:sld>
 </file>
 

--- a/sesija-18/PPT/Front-End Developer-18.pptx
+++ b/sesija-18/PPT/Front-End Developer-18.pptx
@@ -6,7 +6,7 @@
     <p:sldMasterId id="2147483676" r:id="rId2"/>
   </p:sldMasterIdLst>
   <p:notesMasterIdLst>
-    <p:notesMasterId r:id="rId8"/>
+    <p:notesMasterId r:id="rId16"/>
   </p:notesMasterIdLst>
   <p:sldIdLst>
     <p:sldId id="256" r:id="rId3"/>
@@ -14,6 +14,14 @@
     <p:sldId id="258" r:id="rId5"/>
     <p:sldId id="263" r:id="rId6"/>
     <p:sldId id="264" r:id="rId7"/>
+    <p:sldId id="265" r:id="rId8"/>
+    <p:sldId id="267" r:id="rId9"/>
+    <p:sldId id="269" r:id="rId10"/>
+    <p:sldId id="270" r:id="rId11"/>
+    <p:sldId id="271" r:id="rId12"/>
+    <p:sldId id="272" r:id="rId13"/>
+    <p:sldId id="268" r:id="rId14"/>
+    <p:sldId id="266" r:id="rId15"/>
   </p:sldIdLst>
   <p:sldSz cx="12192000" cy="6858000"/>
   <p:notesSz cx="6858000" cy="9144000"/>
@@ -122,6 +130,14 @@
             <p14:sldId id="258"/>
             <p14:sldId id="263"/>
             <p14:sldId id="264"/>
+            <p14:sldId id="265"/>
+            <p14:sldId id="267"/>
+            <p14:sldId id="269"/>
+            <p14:sldId id="270"/>
+            <p14:sldId id="271"/>
+            <p14:sldId id="272"/>
+            <p14:sldId id="268"/>
+            <p14:sldId id="266"/>
           </p14:sldIdLst>
         </p14:section>
       </p14:sectionLst>
@@ -943,7 +959,7 @@
         <a:p>
           <a:r>
             <a:rPr lang="en-US" smtClean="0"/>
-            <a:t>DOM manipulation - nastavak</a:t>
+            <a:t>DOM manipulation – nastavak</a:t>
           </a:r>
           <a:endParaRPr lang="en-US"/>
         </a:p>
@@ -954,6 +970,29 @@
       <dgm:spPr/>
     </dgm:pt>
     <dgm:pt modelId="{B8A6BCFB-F597-4971-BF20-6B7B52347AE9}" type="sibTrans" cxnId="{C78D7D1E-4353-489A-8F01-856C716DDAA5}">
+      <dgm:prSet/>
+      <dgm:spPr/>
+    </dgm:pt>
+    <dgm:pt modelId="{33D35318-461D-4EE7-8FAE-857A69F94317}">
+      <dgm:prSet phldrT="[Text]"/>
+      <dgm:spPr/>
+      <dgm:t>
+        <a:bodyPr/>
+        <a:lstStyle/>
+        <a:p>
+          <a:r>
+            <a:rPr lang="en-US" smtClean="0"/>
+            <a:t>CSS Flexbox</a:t>
+          </a:r>
+          <a:endParaRPr lang="en-US"/>
+        </a:p>
+      </dgm:t>
+    </dgm:pt>
+    <dgm:pt modelId="{309B87BF-6B28-4989-82B1-57AC793D3AEF}" type="parTrans" cxnId="{073E04E8-31D5-4CD2-9691-5F4F9FE27DA3}">
+      <dgm:prSet/>
+      <dgm:spPr/>
+    </dgm:pt>
+    <dgm:pt modelId="{252B9F53-BBF4-47E5-ABEB-AC8692F00C24}" type="sibTrans" cxnId="{073E04E8-31D5-4CD2-9691-5F4F9FE27DA3}">
       <dgm:prSet/>
       <dgm:spPr/>
     </dgm:pt>
@@ -1008,6 +1047,8 @@
   <dgm:cxnLst>
     <dgm:cxn modelId="{C5A8E9B4-A897-4242-BCB6-414B02FAC18D}" type="presOf" srcId="{7BA3726F-3900-4FC3-8B1E-5B513F942281}" destId="{AADBD8E6-695F-4FE3-9A02-D807BC812A7C}" srcOrd="0" destOrd="0" presId="urn:microsoft.com/office/officeart/2005/8/layout/vList2"/>
     <dgm:cxn modelId="{FB3F133B-D980-4586-8A93-14087C2AFDB7}" type="presOf" srcId="{01EB205F-FC18-44EF-B4D7-07083A382D6D}" destId="{F4D94EE2-DE87-41D3-8995-9FDA4ED2D4BE}" srcOrd="0" destOrd="0" presId="urn:microsoft.com/office/officeart/2005/8/layout/vList2"/>
+    <dgm:cxn modelId="{073E04E8-31D5-4CD2-9691-5F4F9FE27DA3}" srcId="{01EB205F-FC18-44EF-B4D7-07083A382D6D}" destId="{33D35318-461D-4EE7-8FAE-857A69F94317}" srcOrd="1" destOrd="0" parTransId="{309B87BF-6B28-4989-82B1-57AC793D3AEF}" sibTransId="{252B9F53-BBF4-47E5-ABEB-AC8692F00C24}"/>
+    <dgm:cxn modelId="{927014D2-CE55-4183-BC4D-4F8D717422C4}" type="presOf" srcId="{33D35318-461D-4EE7-8FAE-857A69F94317}" destId="{AADBD8E6-695F-4FE3-9A02-D807BC812A7C}" srcOrd="0" destOrd="1" presId="urn:microsoft.com/office/officeart/2005/8/layout/vList2"/>
     <dgm:cxn modelId="{C78D7D1E-4353-489A-8F01-856C716DDAA5}" srcId="{01EB205F-FC18-44EF-B4D7-07083A382D6D}" destId="{7BA3726F-3900-4FC3-8B1E-5B513F942281}" srcOrd="0" destOrd="0" parTransId="{F89418B0-7D47-48D3-A0DD-7DC00E292A1E}" sibTransId="{B8A6BCFB-F597-4971-BF20-6B7B52347AE9}"/>
     <dgm:cxn modelId="{554D4833-0D13-4D4C-92BF-76D83AECFDE6}" srcId="{4EE1351B-4B79-4D48-8F5E-455F7AD945A8}" destId="{01EB205F-FC18-44EF-B4D7-07083A382D6D}" srcOrd="0" destOrd="0" parTransId="{D4C6F2B3-566C-488E-AC05-F7BDFB6B7331}" sibTransId="{2BF717F9-FCD3-4CE3-A0A5-83D104AFB328}"/>
     <dgm:cxn modelId="{9ADF0326-01FB-4790-B759-ACDFB0217796}" type="presOf" srcId="{4EE1351B-4B79-4D48-8F5E-455F7AD945A8}" destId="{AEABCDDF-3180-4C76-A7CB-FC0B6AF0719A}" srcOrd="0" destOrd="0" presId="urn:microsoft.com/office/officeart/2005/8/layout/vList2"/>
@@ -1039,7 +1080,7 @@
       </dsp:nvSpPr>
       <dsp:spPr>
         <a:xfrm>
-          <a:off x="0" y="1329704"/>
+          <a:off x="0" y="909235"/>
           <a:ext cx="8298873" cy="1521000"/>
         </a:xfrm>
         <a:prstGeom prst="roundRect">
@@ -1105,7 +1146,7 @@
         </a:p>
       </dsp:txBody>
       <dsp:txXfrm>
-        <a:off x="74249" y="1403953"/>
+        <a:off x="74249" y="983484"/>
         <a:ext cx="8150375" cy="1372502"/>
       </dsp:txXfrm>
     </dsp:sp>
@@ -1116,8 +1157,8 @@
       </dsp:nvSpPr>
       <dsp:spPr>
         <a:xfrm>
-          <a:off x="0" y="2850704"/>
-          <a:ext cx="8298873" cy="1513687"/>
+          <a:off x="0" y="2430235"/>
+          <a:ext cx="8298873" cy="2354625"/>
         </a:xfrm>
         <a:prstGeom prst="rect">
           <a:avLst/>
@@ -1160,14 +1201,33 @@
           </a:pPr>
           <a:r>
             <a:rPr lang="en-US" sz="5100" kern="1200" smtClean="0"/>
-            <a:t>DOM manipulation - nastavak</a:t>
+            <a:t>DOM manipulation – nastavak</a:t>
+          </a:r>
+          <a:endParaRPr lang="en-US" sz="5100" kern="1200"/>
+        </a:p>
+        <a:p>
+          <a:pPr marL="285750" lvl="1" indent="-285750" algn="l" defTabSz="2266950">
+            <a:lnSpc>
+              <a:spcPct val="90000"/>
+            </a:lnSpc>
+            <a:spcBef>
+              <a:spcPct val="0"/>
+            </a:spcBef>
+            <a:spcAft>
+              <a:spcPct val="20000"/>
+            </a:spcAft>
+            <a:buChar char="••"/>
+          </a:pPr>
+          <a:r>
+            <a:rPr lang="en-US" sz="5100" kern="1200" smtClean="0"/>
+            <a:t>CSS Flexbox</a:t>
           </a:r>
           <a:endParaRPr lang="en-US" sz="5100" kern="1200"/>
         </a:p>
       </dsp:txBody>
       <dsp:txXfrm>
-        <a:off x="0" y="2850704"/>
-        <a:ext cx="8298873" cy="1513687"/>
+        <a:off x="0" y="2430235"/>
+        <a:ext cx="8298873" cy="2354625"/>
       </dsp:txXfrm>
     </dsp:sp>
   </dsp:spTree>
@@ -2457,7 +2517,7 @@
           <a:p>
             <a:fld id="{D32AC403-8EB1-4D4E-8C3A-24BD19820531}" type="datetimeFigureOut">
               <a:rPr lang="en-US" smtClean="0"/>
-              <a:t>19-Mar-18</a:t>
+              <a:t>20-Mar-18</a:t>
             </a:fld>
             <a:endParaRPr lang="en-US"/>
           </a:p>
@@ -3203,7 +3263,7 @@
           <a:p>
             <a:fld id="{B35B300D-7DF5-4E96-8AA6-60E94C6E9F44}" type="datetimeFigureOut">
               <a:rPr lang="sr-Latn-RS" smtClean="0"/>
-              <a:t>19.3.2018.</a:t>
+              <a:t>20.3.2018.</a:t>
             </a:fld>
             <a:endParaRPr lang="sr-Latn-RS"/>
           </a:p>
@@ -3637,7 +3697,7 @@
           <a:p>
             <a:fld id="{B35B300D-7DF5-4E96-8AA6-60E94C6E9F44}" type="datetimeFigureOut">
               <a:rPr lang="sr-Latn-RS" smtClean="0"/>
-              <a:t>19.3.2018.</a:t>
+              <a:t>20.3.2018.</a:t>
             </a:fld>
             <a:endParaRPr lang="sr-Latn-RS"/>
           </a:p>
@@ -4011,7 +4071,7 @@
           <a:p>
             <a:fld id="{B35B300D-7DF5-4E96-8AA6-60E94C6E9F44}" type="datetimeFigureOut">
               <a:rPr lang="sr-Latn-RS" smtClean="0"/>
-              <a:t>19.3.2018.</a:t>
+              <a:t>20.3.2018.</a:t>
             </a:fld>
             <a:endParaRPr lang="sr-Latn-RS"/>
           </a:p>
@@ -4295,7 +4355,7 @@
           <a:p>
             <a:fld id="{B35B300D-7DF5-4E96-8AA6-60E94C6E9F44}" type="datetimeFigureOut">
               <a:rPr lang="sr-Latn-RS" smtClean="0"/>
-              <a:t>19.3.2018.</a:t>
+              <a:t>20.3.2018.</a:t>
             </a:fld>
             <a:endParaRPr lang="sr-Latn-RS"/>
           </a:p>
@@ -4472,7 +4532,7 @@
           <a:p>
             <a:fld id="{B35B300D-7DF5-4E96-8AA6-60E94C6E9F44}" type="datetimeFigureOut">
               <a:rPr lang="sr-Latn-RS" smtClean="0"/>
-              <a:t>19.3.2018.</a:t>
+              <a:t>20.3.2018.</a:t>
             </a:fld>
             <a:endParaRPr lang="sr-Latn-RS"/>
           </a:p>
@@ -4659,7 +4719,7 @@
           <a:p>
             <a:fld id="{B35B300D-7DF5-4E96-8AA6-60E94C6E9F44}" type="datetimeFigureOut">
               <a:rPr lang="sr-Latn-RS" smtClean="0"/>
-              <a:t>19.3.2018.</a:t>
+              <a:t>20.3.2018.</a:t>
             </a:fld>
             <a:endParaRPr lang="sr-Latn-RS"/>
           </a:p>
@@ -4906,7 +4966,7 @@
           <a:p>
             <a:fld id="{B35B300D-7DF5-4E96-8AA6-60E94C6E9F44}" type="datetimeFigureOut">
               <a:rPr lang="sr-Latn-RS" smtClean="0"/>
-              <a:t>19.3.2018.</a:t>
+              <a:t>20.3.2018.</a:t>
             </a:fld>
             <a:endParaRPr lang="sr-Latn-RS"/>
           </a:p>
@@ -5190,7 +5250,7 @@
           <a:p>
             <a:fld id="{B35B300D-7DF5-4E96-8AA6-60E94C6E9F44}" type="datetimeFigureOut">
               <a:rPr lang="sr-Latn-RS" smtClean="0"/>
-              <a:t>19.3.2018.</a:t>
+              <a:t>20.3.2018.</a:t>
             </a:fld>
             <a:endParaRPr lang="sr-Latn-RS"/>
           </a:p>
@@ -7109,7 +7169,7 @@
           <a:p>
             <a:fld id="{B35B300D-7DF5-4E96-8AA6-60E94C6E9F44}" type="datetimeFigureOut">
               <a:rPr lang="sr-Latn-RS" smtClean="0"/>
-              <a:t>19.3.2018.</a:t>
+              <a:t>20.3.2018.</a:t>
             </a:fld>
             <a:endParaRPr lang="sr-Latn-RS"/>
           </a:p>
@@ -7592,6 +7652,365 @@
 </p:sld>
 </file>
 
+<file path=ppt/slides/slide10.xml><?xml version="1.0" encoding="utf-8"?>
+<p:sld xmlns:a="http://schemas.openxmlformats.org/drawingml/2006/main" xmlns:r="http://schemas.openxmlformats.org/officeDocument/2006/relationships" xmlns:p="http://schemas.openxmlformats.org/presentationml/2006/main">
+  <p:cSld>
+    <p:spTree>
+      <p:nvGrpSpPr>
+        <p:cNvPr id="1" name=""/>
+        <p:cNvGrpSpPr/>
+        <p:nvPr/>
+      </p:nvGrpSpPr>
+      <p:grpSpPr>
+        <a:xfrm>
+          <a:off x="0" y="0"/>
+          <a:ext cx="0" cy="0"/>
+          <a:chOff x="0" y="0"/>
+          <a:chExt cx="0" cy="0"/>
+        </a:xfrm>
+      </p:grpSpPr>
+      <p:pic>
+        <p:nvPicPr>
+          <p:cNvPr id="4" name="Content Placeholder 3"/>
+          <p:cNvPicPr>
+            <a:picLocks noGrp="1" noChangeAspect="1"/>
+          </p:cNvPicPr>
+          <p:nvPr>
+            <p:ph sz="quarter" idx="10"/>
+          </p:nvPr>
+        </p:nvPicPr>
+        <p:blipFill>
+          <a:blip r:embed="rId2"/>
+          <a:stretch>
+            <a:fillRect/>
+          </a:stretch>
+        </p:blipFill>
+        <p:spPr>
+          <a:xfrm>
+            <a:off x="1314420" y="1205546"/>
+            <a:ext cx="8128837" cy="4223461"/>
+          </a:xfrm>
+          <a:prstGeom prst="rect">
+            <a:avLst/>
+          </a:prstGeom>
+        </p:spPr>
+      </p:pic>
+    </p:spTree>
+    <p:extLst>
+      <p:ext uri="{BB962C8B-B14F-4D97-AF65-F5344CB8AC3E}">
+        <p14:creationId xmlns:p14="http://schemas.microsoft.com/office/powerpoint/2010/main" val="1125107867"/>
+      </p:ext>
+    </p:extLst>
+  </p:cSld>
+  <p:clrMapOvr>
+    <a:masterClrMapping/>
+  </p:clrMapOvr>
+</p:sld>
+</file>
+
+<file path=ppt/slides/slide11.xml><?xml version="1.0" encoding="utf-8"?>
+<p:sld xmlns:a="http://schemas.openxmlformats.org/drawingml/2006/main" xmlns:r="http://schemas.openxmlformats.org/officeDocument/2006/relationships" xmlns:p="http://schemas.openxmlformats.org/presentationml/2006/main">
+  <p:cSld>
+    <p:spTree>
+      <p:nvGrpSpPr>
+        <p:cNvPr id="1" name=""/>
+        <p:cNvGrpSpPr/>
+        <p:nvPr/>
+      </p:nvGrpSpPr>
+      <p:grpSpPr>
+        <a:xfrm>
+          <a:off x="0" y="0"/>
+          <a:ext cx="0" cy="0"/>
+          <a:chOff x="0" y="0"/>
+          <a:chExt cx="0" cy="0"/>
+        </a:xfrm>
+      </p:grpSpPr>
+      <p:pic>
+        <p:nvPicPr>
+          <p:cNvPr id="4" name="Content Placeholder 3"/>
+          <p:cNvPicPr>
+            <a:picLocks noGrp="1" noChangeAspect="1"/>
+          </p:cNvPicPr>
+          <p:nvPr>
+            <p:ph sz="quarter" idx="10"/>
+          </p:nvPr>
+        </p:nvPicPr>
+        <p:blipFill>
+          <a:blip r:embed="rId2"/>
+          <a:stretch>
+            <a:fillRect/>
+          </a:stretch>
+        </p:blipFill>
+        <p:spPr>
+          <a:xfrm>
+            <a:off x="360219" y="268193"/>
+            <a:ext cx="9028113" cy="3236179"/>
+          </a:xfrm>
+          <a:prstGeom prst="rect">
+            <a:avLst/>
+          </a:prstGeom>
+        </p:spPr>
+      </p:pic>
+      <p:pic>
+        <p:nvPicPr>
+          <p:cNvPr id="5" name="Picture 4"/>
+          <p:cNvPicPr>
+            <a:picLocks noChangeAspect="1"/>
+          </p:cNvPicPr>
+          <p:nvPr/>
+        </p:nvPicPr>
+        <p:blipFill>
+          <a:blip r:embed="rId3"/>
+          <a:stretch>
+            <a:fillRect/>
+          </a:stretch>
+        </p:blipFill>
+        <p:spPr>
+          <a:xfrm>
+            <a:off x="3497329" y="2874903"/>
+            <a:ext cx="6486257" cy="3599274"/>
+          </a:xfrm>
+          <a:prstGeom prst="rect">
+            <a:avLst/>
+          </a:prstGeom>
+        </p:spPr>
+      </p:pic>
+    </p:spTree>
+    <p:extLst>
+      <p:ext uri="{BB962C8B-B14F-4D97-AF65-F5344CB8AC3E}">
+        <p14:creationId xmlns:p14="http://schemas.microsoft.com/office/powerpoint/2010/main" val="259898613"/>
+      </p:ext>
+    </p:extLst>
+  </p:cSld>
+  <p:clrMapOvr>
+    <a:masterClrMapping/>
+  </p:clrMapOvr>
+</p:sld>
+</file>
+
+<file path=ppt/slides/slide12.xml><?xml version="1.0" encoding="utf-8"?>
+<p:sld xmlns:a="http://schemas.openxmlformats.org/drawingml/2006/main" xmlns:r="http://schemas.openxmlformats.org/officeDocument/2006/relationships" xmlns:p="http://schemas.openxmlformats.org/presentationml/2006/main">
+  <p:cSld>
+    <p:spTree>
+      <p:nvGrpSpPr>
+        <p:cNvPr id="1" name=""/>
+        <p:cNvGrpSpPr/>
+        <p:nvPr/>
+      </p:nvGrpSpPr>
+      <p:grpSpPr>
+        <a:xfrm>
+          <a:off x="0" y="0"/>
+          <a:ext cx="0" cy="0"/>
+          <a:chOff x="0" y="0"/>
+          <a:chExt cx="0" cy="0"/>
+        </a:xfrm>
+      </p:grpSpPr>
+      <p:sp>
+        <p:nvSpPr>
+          <p:cNvPr id="3" name="Title 2"/>
+          <p:cNvSpPr>
+            <a:spLocks noGrp="1"/>
+          </p:cNvSpPr>
+          <p:nvPr>
+            <p:ph type="title"/>
+          </p:nvPr>
+        </p:nvSpPr>
+        <p:spPr/>
+        <p:txBody>
+          <a:bodyPr/>
+          <a:lstStyle/>
+          <a:p>
+            <a:r>
+              <a:rPr lang="en-US"/>
+              <a:t>Layouts of the Future - </a:t>
+            </a:r>
+            <a:r>
+              <a:rPr lang="en-US"/>
+              <a:t>Flexbox </a:t>
+            </a:r>
+            <a:r>
+              <a:rPr lang="en-US" smtClean="0"/>
+              <a:t>Layout</a:t>
+            </a:r>
+            <a:endParaRPr lang="sr-Latn-RS"/>
+          </a:p>
+        </p:txBody>
+      </p:sp>
+      <p:sp>
+        <p:nvSpPr>
+          <p:cNvPr id="4" name="Content Placeholder 3"/>
+          <p:cNvSpPr>
+            <a:spLocks noGrp="1"/>
+          </p:cNvSpPr>
+          <p:nvPr>
+            <p:ph sz="quarter" idx="10"/>
+          </p:nvPr>
+        </p:nvSpPr>
+        <p:spPr/>
+        <p:txBody>
+          <a:bodyPr/>
+          <a:lstStyle/>
+          <a:p>
+            <a:r>
+              <a:rPr lang="sr-Latn-RS">
+                <a:hlinkClick r:id="rId2"/>
+              </a:rPr>
+              <a:t>https://scotch.io</a:t>
+            </a:r>
+            <a:r>
+              <a:rPr lang="sr-Latn-RS">
+                <a:hlinkClick r:id="rId2"/>
+              </a:rPr>
+              <a:t>/@</a:t>
+            </a:r>
+            <a:r>
+              <a:rPr lang="sr-Latn-RS" smtClean="0">
+                <a:hlinkClick r:id="rId2"/>
+              </a:rPr>
+              <a:t>kashyapmukkamala/layouts-of-the-future-flexbox-layout#comments-section</a:t>
+            </a:r>
+            <a:endParaRPr lang="sr-Latn-RS" smtClean="0"/>
+          </a:p>
+          <a:p>
+            <a:endParaRPr lang="sr-Latn-RS"/>
+          </a:p>
+        </p:txBody>
+      </p:sp>
+    </p:spTree>
+    <p:extLst>
+      <p:ext uri="{BB962C8B-B14F-4D97-AF65-F5344CB8AC3E}">
+        <p14:creationId xmlns:p14="http://schemas.microsoft.com/office/powerpoint/2010/main" val="3912720395"/>
+      </p:ext>
+    </p:extLst>
+  </p:cSld>
+  <p:clrMapOvr>
+    <a:masterClrMapping/>
+  </p:clrMapOvr>
+</p:sld>
+</file>
+
+<file path=ppt/slides/slide13.xml><?xml version="1.0" encoding="utf-8"?>
+<p:sld xmlns:a="http://schemas.openxmlformats.org/drawingml/2006/main" xmlns:r="http://schemas.openxmlformats.org/officeDocument/2006/relationships" xmlns:p="http://schemas.openxmlformats.org/presentationml/2006/main">
+  <p:cSld>
+    <p:spTree>
+      <p:nvGrpSpPr>
+        <p:cNvPr id="1" name=""/>
+        <p:cNvGrpSpPr/>
+        <p:nvPr/>
+      </p:nvGrpSpPr>
+      <p:grpSpPr>
+        <a:xfrm>
+          <a:off x="0" y="0"/>
+          <a:ext cx="0" cy="0"/>
+          <a:chOff x="0" y="0"/>
+          <a:chExt cx="0" cy="0"/>
+        </a:xfrm>
+      </p:grpSpPr>
+      <p:sp>
+        <p:nvSpPr>
+          <p:cNvPr id="2" name="Title 1"/>
+          <p:cNvSpPr>
+            <a:spLocks noGrp="1"/>
+          </p:cNvSpPr>
+          <p:nvPr>
+            <p:ph type="title"/>
+          </p:nvPr>
+        </p:nvSpPr>
+        <p:spPr/>
+        <p:txBody>
+          <a:bodyPr/>
+          <a:lstStyle/>
+          <a:p>
+            <a:r>
+              <a:rPr lang="en-US" smtClean="0"/>
+              <a:t>Coding challenge</a:t>
+            </a:r>
+            <a:endParaRPr lang="sr-Latn-RS"/>
+          </a:p>
+        </p:txBody>
+      </p:sp>
+      <p:sp>
+        <p:nvSpPr>
+          <p:cNvPr id="3" name="Content Placeholder 2"/>
+          <p:cNvSpPr>
+            <a:spLocks noGrp="1"/>
+          </p:cNvSpPr>
+          <p:nvPr>
+            <p:ph sz="half" idx="1"/>
+          </p:nvPr>
+        </p:nvSpPr>
+        <p:spPr/>
+        <p:txBody>
+          <a:bodyPr/>
+          <a:lstStyle/>
+          <a:p>
+            <a:r>
+              <a:rPr lang="en-US" smtClean="0"/>
+              <a:t>Napisati JavaScript program koji iz select liste bira jednu od tri zemlje:</a:t>
+            </a:r>
+          </a:p>
+          <a:p>
+            <a:pPr lvl="1"/>
+            <a:r>
+              <a:rPr lang="en-US" smtClean="0"/>
+              <a:t>Srbija</a:t>
+            </a:r>
+          </a:p>
+          <a:p>
+            <a:pPr lvl="1"/>
+            <a:r>
+              <a:rPr lang="en-US" smtClean="0"/>
+              <a:t>Japan</a:t>
+            </a:r>
+          </a:p>
+          <a:p>
+            <a:pPr lvl="1"/>
+            <a:r>
+              <a:rPr lang="en-US" smtClean="0"/>
+              <a:t>Brazil</a:t>
+            </a:r>
+          </a:p>
+          <a:p>
+            <a:r>
+              <a:rPr lang="en-US" smtClean="0"/>
+              <a:t>Nakon izbora zemlje, klikom na dugme “Prikazi zastavu”, prikazati zastavu u posebnom img tagu.</a:t>
+            </a:r>
+            <a:endParaRPr lang="en-US"/>
+          </a:p>
+        </p:txBody>
+      </p:sp>
+      <p:sp>
+        <p:nvSpPr>
+          <p:cNvPr id="4" name="Content Placeholder 3"/>
+          <p:cNvSpPr>
+            <a:spLocks noGrp="1"/>
+          </p:cNvSpPr>
+          <p:nvPr>
+            <p:ph sz="half" idx="2"/>
+          </p:nvPr>
+        </p:nvSpPr>
+        <p:spPr/>
+        <p:txBody>
+          <a:bodyPr/>
+          <a:lstStyle/>
+          <a:p>
+            <a:endParaRPr lang="sr-Latn-RS"/>
+          </a:p>
+        </p:txBody>
+      </p:sp>
+    </p:spTree>
+    <p:extLst>
+      <p:ext uri="{BB962C8B-B14F-4D97-AF65-F5344CB8AC3E}">
+        <p14:creationId xmlns:p14="http://schemas.microsoft.com/office/powerpoint/2010/main" val="431897573"/>
+      </p:ext>
+    </p:extLst>
+  </p:cSld>
+  <p:clrMapOvr>
+    <a:masterClrMapping/>
+  </p:clrMapOvr>
+</p:sld>
+</file>
+
 <file path=ppt/slides/slide2.xml><?xml version="1.0" encoding="utf-8"?>
 <p:sld xmlns:a="http://schemas.openxmlformats.org/drawingml/2006/main" xmlns:r="http://schemas.openxmlformats.org/officeDocument/2006/relationships" xmlns:p="http://schemas.openxmlformats.org/presentationml/2006/main">
   <p:cSld>
@@ -7672,7 +8091,7 @@
           <p:nvPr>
             <p:extLst>
               <p:ext uri="{D42A27DB-BD31-4B8C-83A1-F6EECF244321}">
-                <p14:modId xmlns:p14="http://schemas.microsoft.com/office/powerpoint/2010/main" val="1229460459"/>
+                <p14:modId xmlns:p14="http://schemas.microsoft.com/office/powerpoint/2010/main" val="2666660152"/>
               </p:ext>
             </p:extLst>
           </p:nvPr>
@@ -7838,7 +8257,6 @@
               <a:rPr lang="en-US" smtClean="0"/>
               <a:t>colspan</a:t>
             </a:r>
-            <a:endParaRPr lang="en-US" smtClean="0"/>
           </a:p>
         </p:txBody>
       </p:sp>
@@ -7891,7 +8309,6 @@
               <a:rPr lang="en-US" smtClean="0"/>
               <a:t>Nacini da se event doda na HTML element</a:t>
             </a:r>
-            <a:endParaRPr lang="en-US" smtClean="0"/>
           </a:p>
         </p:txBody>
       </p:sp>
@@ -8036,6 +8453,10 @@
           <a:bodyPr/>
           <a:lstStyle/>
           <a:p>
+            <a:r>
+              <a:rPr lang="en-US" smtClean="0"/>
+              <a:t>Primer sa insertBefore</a:t>
+            </a:r>
             <a:endParaRPr lang="sr-Latn-RS"/>
           </a:p>
         </p:txBody>
@@ -8052,21 +8473,808 @@
         </p:nvSpPr>
         <p:spPr/>
         <p:txBody>
-          <a:bodyPr/>
+          <a:bodyPr>
+            <a:normAutofit fontScale="55000" lnSpcReduction="20000"/>
+          </a:bodyPr>
           <a:lstStyle/>
           <a:p>
+            <a:r>
+              <a:rPr lang="sr-Latn-RS">
+                <a:solidFill>
+                  <a:srgbClr val="808080"/>
+                </a:solidFill>
+                <a:latin typeface="Consolas" panose="020B0609020204030204" pitchFamily="49" charset="0"/>
+              </a:rPr>
+              <a:t>&lt;!</a:t>
+            </a:r>
+            <a:r>
+              <a:rPr lang="sr-Latn-RS">
+                <a:solidFill>
+                  <a:srgbClr val="D4D4D4"/>
+                </a:solidFill>
+                <a:latin typeface="Consolas" panose="020B0609020204030204" pitchFamily="49" charset="0"/>
+              </a:rPr>
+              <a:t>DOCTYPE html</a:t>
+            </a:r>
+            <a:r>
+              <a:rPr lang="sr-Latn-RS">
+                <a:solidFill>
+                  <a:srgbClr val="808080"/>
+                </a:solidFill>
+                <a:latin typeface="Consolas" panose="020B0609020204030204" pitchFamily="49" charset="0"/>
+              </a:rPr>
+              <a:t>&gt;</a:t>
+            </a:r>
+            <a:endParaRPr lang="sr-Latn-RS">
+              <a:solidFill>
+                <a:srgbClr val="D4D4D4"/>
+              </a:solidFill>
+              <a:latin typeface="Consolas" panose="020B0609020204030204" pitchFamily="49" charset="0"/>
+            </a:endParaRPr>
+          </a:p>
+          <a:p>
+            <a:r>
+              <a:rPr lang="sr-Latn-RS">
+                <a:solidFill>
+                  <a:srgbClr val="808080"/>
+                </a:solidFill>
+                <a:latin typeface="Consolas" panose="020B0609020204030204" pitchFamily="49" charset="0"/>
+              </a:rPr>
+              <a:t>&lt;</a:t>
+            </a:r>
+            <a:r>
+              <a:rPr lang="sr-Latn-RS">
+                <a:solidFill>
+                  <a:srgbClr val="569CD6"/>
+                </a:solidFill>
+                <a:latin typeface="Consolas" panose="020B0609020204030204" pitchFamily="49" charset="0"/>
+              </a:rPr>
+              <a:t>html</a:t>
+            </a:r>
+            <a:r>
+              <a:rPr lang="sr-Latn-RS">
+                <a:solidFill>
+                  <a:srgbClr val="808080"/>
+                </a:solidFill>
+                <a:latin typeface="Consolas" panose="020B0609020204030204" pitchFamily="49" charset="0"/>
+              </a:rPr>
+              <a:t>&gt;</a:t>
+            </a:r>
+            <a:endParaRPr lang="sr-Latn-RS">
+              <a:solidFill>
+                <a:srgbClr val="D4D4D4"/>
+              </a:solidFill>
+              <a:latin typeface="Consolas" panose="020B0609020204030204" pitchFamily="49" charset="0"/>
+            </a:endParaRPr>
+          </a:p>
+          <a:p>
+            <a:r>
+              <a:rPr lang="sr-Latn-RS">
+                <a:solidFill>
+                  <a:srgbClr val="808080"/>
+                </a:solidFill>
+                <a:latin typeface="Consolas" panose="020B0609020204030204" pitchFamily="49" charset="0"/>
+              </a:rPr>
+              <a:t>&lt;</a:t>
+            </a:r>
+            <a:r>
+              <a:rPr lang="sr-Latn-RS">
+                <a:solidFill>
+                  <a:srgbClr val="569CD6"/>
+                </a:solidFill>
+                <a:latin typeface="Consolas" panose="020B0609020204030204" pitchFamily="49" charset="0"/>
+              </a:rPr>
+              <a:t>head</a:t>
+            </a:r>
+            <a:r>
+              <a:rPr lang="sr-Latn-RS">
+                <a:solidFill>
+                  <a:srgbClr val="808080"/>
+                </a:solidFill>
+                <a:latin typeface="Consolas" panose="020B0609020204030204" pitchFamily="49" charset="0"/>
+              </a:rPr>
+              <a:t>&gt;</a:t>
+            </a:r>
+            <a:endParaRPr lang="sr-Latn-RS">
+              <a:solidFill>
+                <a:srgbClr val="D4D4D4"/>
+              </a:solidFill>
+              <a:latin typeface="Consolas" panose="020B0609020204030204" pitchFamily="49" charset="0"/>
+            </a:endParaRPr>
+          </a:p>
+          <a:p>
+            <a:r>
+              <a:rPr lang="sr-Latn-RS">
+                <a:solidFill>
+                  <a:srgbClr val="808080"/>
+                </a:solidFill>
+                <a:latin typeface="Consolas" panose="020B0609020204030204" pitchFamily="49" charset="0"/>
+              </a:rPr>
+              <a:t>&lt;</a:t>
+            </a:r>
+            <a:r>
+              <a:rPr lang="sr-Latn-RS">
+                <a:solidFill>
+                  <a:srgbClr val="569CD6"/>
+                </a:solidFill>
+                <a:latin typeface="Consolas" panose="020B0609020204030204" pitchFamily="49" charset="0"/>
+              </a:rPr>
+              <a:t>meta</a:t>
+            </a:r>
+            <a:r>
+              <a:rPr lang="sr-Latn-RS">
+                <a:solidFill>
+                  <a:srgbClr val="D4D4D4"/>
+                </a:solidFill>
+                <a:latin typeface="Consolas" panose="020B0609020204030204" pitchFamily="49" charset="0"/>
+              </a:rPr>
+              <a:t> </a:t>
+            </a:r>
+            <a:r>
+              <a:rPr lang="sr-Latn-RS">
+                <a:solidFill>
+                  <a:srgbClr val="9CDCFE"/>
+                </a:solidFill>
+                <a:latin typeface="Consolas" panose="020B0609020204030204" pitchFamily="49" charset="0"/>
+              </a:rPr>
+              <a:t>charset</a:t>
+            </a:r>
+            <a:r>
+              <a:rPr lang="sr-Latn-RS">
+                <a:solidFill>
+                  <a:srgbClr val="D4D4D4"/>
+                </a:solidFill>
+                <a:latin typeface="Consolas" panose="020B0609020204030204" pitchFamily="49" charset="0"/>
+              </a:rPr>
+              <a:t>=</a:t>
+            </a:r>
+            <a:r>
+              <a:rPr lang="sr-Latn-RS">
+                <a:solidFill>
+                  <a:srgbClr val="CE9178"/>
+                </a:solidFill>
+                <a:latin typeface="Consolas" panose="020B0609020204030204" pitchFamily="49" charset="0"/>
+              </a:rPr>
+              <a:t>"utf-8"</a:t>
+            </a:r>
+            <a:r>
+              <a:rPr lang="sr-Latn-RS">
+                <a:solidFill>
+                  <a:srgbClr val="808080"/>
+                </a:solidFill>
+                <a:latin typeface="Consolas" panose="020B0609020204030204" pitchFamily="49" charset="0"/>
+              </a:rPr>
+              <a:t>&gt;</a:t>
+            </a:r>
+            <a:endParaRPr lang="sr-Latn-RS">
+              <a:solidFill>
+                <a:srgbClr val="D4D4D4"/>
+              </a:solidFill>
+              <a:latin typeface="Consolas" panose="020B0609020204030204" pitchFamily="49" charset="0"/>
+            </a:endParaRPr>
+          </a:p>
+          <a:p>
+            <a:r>
+              <a:rPr lang="sr-Latn-RS">
+                <a:solidFill>
+                  <a:srgbClr val="808080"/>
+                </a:solidFill>
+                <a:latin typeface="Consolas" panose="020B0609020204030204" pitchFamily="49" charset="0"/>
+              </a:rPr>
+              <a:t>&lt;</a:t>
+            </a:r>
+            <a:r>
+              <a:rPr lang="sr-Latn-RS">
+                <a:solidFill>
+                  <a:srgbClr val="569CD6"/>
+                </a:solidFill>
+                <a:latin typeface="Consolas" panose="020B0609020204030204" pitchFamily="49" charset="0"/>
+              </a:rPr>
+              <a:t>title</a:t>
+            </a:r>
+            <a:r>
+              <a:rPr lang="sr-Latn-RS">
+                <a:solidFill>
+                  <a:srgbClr val="808080"/>
+                </a:solidFill>
+                <a:latin typeface="Consolas" panose="020B0609020204030204" pitchFamily="49" charset="0"/>
+              </a:rPr>
+              <a:t>&gt;</a:t>
+            </a:r>
+            <a:r>
+              <a:rPr lang="sr-Latn-RS">
+                <a:solidFill>
+                  <a:srgbClr val="D4D4D4"/>
+                </a:solidFill>
+                <a:latin typeface="Consolas" panose="020B0609020204030204" pitchFamily="49" charset="0"/>
+              </a:rPr>
+              <a:t>Javascript Essentials</a:t>
+            </a:r>
+            <a:r>
+              <a:rPr lang="sr-Latn-RS">
+                <a:solidFill>
+                  <a:srgbClr val="808080"/>
+                </a:solidFill>
+                <a:latin typeface="Consolas" panose="020B0609020204030204" pitchFamily="49" charset="0"/>
+              </a:rPr>
+              <a:t>&lt;/</a:t>
+            </a:r>
+            <a:r>
+              <a:rPr lang="sr-Latn-RS">
+                <a:solidFill>
+                  <a:srgbClr val="569CD6"/>
+                </a:solidFill>
+                <a:latin typeface="Consolas" panose="020B0609020204030204" pitchFamily="49" charset="0"/>
+              </a:rPr>
+              <a:t>title</a:t>
+            </a:r>
+            <a:r>
+              <a:rPr lang="sr-Latn-RS">
+                <a:solidFill>
+                  <a:srgbClr val="808080"/>
+                </a:solidFill>
+                <a:latin typeface="Consolas" panose="020B0609020204030204" pitchFamily="49" charset="0"/>
+              </a:rPr>
+              <a:t>&gt;</a:t>
+            </a:r>
+            <a:endParaRPr lang="sr-Latn-RS">
+              <a:solidFill>
+                <a:srgbClr val="D4D4D4"/>
+              </a:solidFill>
+              <a:latin typeface="Consolas" panose="020B0609020204030204" pitchFamily="49" charset="0"/>
+            </a:endParaRPr>
+          </a:p>
+          <a:p>
+            <a:r>
+              <a:rPr lang="sr-Latn-RS">
+                <a:solidFill>
+                  <a:srgbClr val="808080"/>
+                </a:solidFill>
+                <a:latin typeface="Consolas" panose="020B0609020204030204" pitchFamily="49" charset="0"/>
+              </a:rPr>
+              <a:t>&lt;/</a:t>
+            </a:r>
+            <a:r>
+              <a:rPr lang="sr-Latn-RS">
+                <a:solidFill>
+                  <a:srgbClr val="569CD6"/>
+                </a:solidFill>
+                <a:latin typeface="Consolas" panose="020B0609020204030204" pitchFamily="49" charset="0"/>
+              </a:rPr>
+              <a:t>head</a:t>
+            </a:r>
+            <a:r>
+              <a:rPr lang="sr-Latn-RS">
+                <a:solidFill>
+                  <a:srgbClr val="808080"/>
+                </a:solidFill>
+                <a:latin typeface="Consolas" panose="020B0609020204030204" pitchFamily="49" charset="0"/>
+              </a:rPr>
+              <a:t>&gt;</a:t>
+            </a:r>
+            <a:endParaRPr lang="sr-Latn-RS">
+              <a:solidFill>
+                <a:srgbClr val="D4D4D4"/>
+              </a:solidFill>
+              <a:latin typeface="Consolas" panose="020B0609020204030204" pitchFamily="49" charset="0"/>
+            </a:endParaRPr>
+          </a:p>
+          <a:p>
+            <a:r>
+              <a:rPr lang="sr-Latn-RS">
+                <a:solidFill>
+                  <a:srgbClr val="808080"/>
+                </a:solidFill>
+                <a:latin typeface="Consolas" panose="020B0609020204030204" pitchFamily="49" charset="0"/>
+              </a:rPr>
+              <a:t>&lt;</a:t>
+            </a:r>
+            <a:r>
+              <a:rPr lang="sr-Latn-RS">
+                <a:solidFill>
+                  <a:srgbClr val="569CD6"/>
+                </a:solidFill>
+                <a:latin typeface="Consolas" panose="020B0609020204030204" pitchFamily="49" charset="0"/>
+              </a:rPr>
+              <a:t>body</a:t>
+            </a:r>
+            <a:r>
+              <a:rPr lang="sr-Latn-RS">
+                <a:solidFill>
+                  <a:srgbClr val="808080"/>
+                </a:solidFill>
+                <a:latin typeface="Consolas" panose="020B0609020204030204" pitchFamily="49" charset="0"/>
+              </a:rPr>
+              <a:t>&gt;</a:t>
+            </a:r>
+            <a:endParaRPr lang="sr-Latn-RS">
+              <a:solidFill>
+                <a:srgbClr val="D4D4D4"/>
+              </a:solidFill>
+              <a:latin typeface="Consolas" panose="020B0609020204030204" pitchFamily="49" charset="0"/>
+            </a:endParaRPr>
+          </a:p>
+          <a:p>
+            <a:r>
+              <a:rPr lang="sr-Latn-RS">
+                <a:solidFill>
+                  <a:srgbClr val="808080"/>
+                </a:solidFill>
+                <a:latin typeface="Consolas" panose="020B0609020204030204" pitchFamily="49" charset="0"/>
+              </a:rPr>
+              <a:t>&lt;</a:t>
+            </a:r>
+            <a:r>
+              <a:rPr lang="sr-Latn-RS">
+                <a:solidFill>
+                  <a:srgbClr val="569CD6"/>
+                </a:solidFill>
+                <a:latin typeface="Consolas" panose="020B0609020204030204" pitchFamily="49" charset="0"/>
+              </a:rPr>
+              <a:t>div</a:t>
+            </a:r>
+            <a:r>
+              <a:rPr lang="sr-Latn-RS">
+                <a:solidFill>
+                  <a:srgbClr val="D4D4D4"/>
+                </a:solidFill>
+                <a:latin typeface="Consolas" panose="020B0609020204030204" pitchFamily="49" charset="0"/>
+              </a:rPr>
+              <a:t> </a:t>
+            </a:r>
+            <a:r>
+              <a:rPr lang="sr-Latn-RS">
+                <a:solidFill>
+                  <a:srgbClr val="9CDCFE"/>
+                </a:solidFill>
+                <a:latin typeface="Consolas" panose="020B0609020204030204" pitchFamily="49" charset="0"/>
+              </a:rPr>
+              <a:t>id</a:t>
+            </a:r>
+            <a:r>
+              <a:rPr lang="sr-Latn-RS">
+                <a:solidFill>
+                  <a:srgbClr val="D4D4D4"/>
+                </a:solidFill>
+                <a:latin typeface="Consolas" panose="020B0609020204030204" pitchFamily="49" charset="0"/>
+              </a:rPr>
+              <a:t>=</a:t>
+            </a:r>
+            <a:r>
+              <a:rPr lang="sr-Latn-RS">
+                <a:solidFill>
+                  <a:srgbClr val="CE9178"/>
+                </a:solidFill>
+                <a:latin typeface="Consolas" panose="020B0609020204030204" pitchFamily="49" charset="0"/>
+              </a:rPr>
+              <a:t>"yellow"</a:t>
+            </a:r>
+            <a:r>
+              <a:rPr lang="sr-Latn-RS">
+                <a:solidFill>
+                  <a:srgbClr val="D4D4D4"/>
+                </a:solidFill>
+                <a:latin typeface="Consolas" panose="020B0609020204030204" pitchFamily="49" charset="0"/>
+              </a:rPr>
+              <a:t> </a:t>
+            </a:r>
+            <a:r>
+              <a:rPr lang="sr-Latn-RS">
+                <a:solidFill>
+                  <a:srgbClr val="9CDCFE"/>
+                </a:solidFill>
+                <a:latin typeface="Consolas" panose="020B0609020204030204" pitchFamily="49" charset="0"/>
+              </a:rPr>
+              <a:t>style</a:t>
+            </a:r>
+            <a:r>
+              <a:rPr lang="sr-Latn-RS">
+                <a:solidFill>
+                  <a:srgbClr val="D4D4D4"/>
+                </a:solidFill>
+                <a:latin typeface="Consolas" panose="020B0609020204030204" pitchFamily="49" charset="0"/>
+              </a:rPr>
+              <a:t>=</a:t>
+            </a:r>
+            <a:r>
+              <a:rPr lang="sr-Latn-RS">
+                <a:solidFill>
+                  <a:srgbClr val="CE9178"/>
+                </a:solidFill>
+                <a:latin typeface="Consolas" panose="020B0609020204030204" pitchFamily="49" charset="0"/>
+              </a:rPr>
+              <a:t>"background:yellow; width:200px; height:20px;"</a:t>
+            </a:r>
+            <a:r>
+              <a:rPr lang="sr-Latn-RS">
+                <a:solidFill>
+                  <a:srgbClr val="808080"/>
+                </a:solidFill>
+                <a:latin typeface="Consolas" panose="020B0609020204030204" pitchFamily="49" charset="0"/>
+              </a:rPr>
+              <a:t>&gt;&lt;/</a:t>
+            </a:r>
+            <a:r>
+              <a:rPr lang="sr-Latn-RS">
+                <a:solidFill>
+                  <a:srgbClr val="569CD6"/>
+                </a:solidFill>
+                <a:latin typeface="Consolas" panose="020B0609020204030204" pitchFamily="49" charset="0"/>
+              </a:rPr>
+              <a:t>div</a:t>
+            </a:r>
+            <a:r>
+              <a:rPr lang="sr-Latn-RS">
+                <a:solidFill>
+                  <a:srgbClr val="808080"/>
+                </a:solidFill>
+                <a:latin typeface="Consolas" panose="020B0609020204030204" pitchFamily="49" charset="0"/>
+              </a:rPr>
+              <a:t>&gt;</a:t>
+            </a:r>
+            <a:endParaRPr lang="sr-Latn-RS">
+              <a:solidFill>
+                <a:srgbClr val="D4D4D4"/>
+              </a:solidFill>
+              <a:latin typeface="Consolas" panose="020B0609020204030204" pitchFamily="49" charset="0"/>
+            </a:endParaRPr>
+          </a:p>
+          <a:p>
+            <a:r>
+              <a:rPr lang="sr-Latn-RS">
+                <a:solidFill>
+                  <a:srgbClr val="808080"/>
+                </a:solidFill>
+                <a:latin typeface="Consolas" panose="020B0609020204030204" pitchFamily="49" charset="0"/>
+              </a:rPr>
+              <a:t>&lt;</a:t>
+            </a:r>
+            <a:r>
+              <a:rPr lang="sr-Latn-RS">
+                <a:solidFill>
+                  <a:srgbClr val="569CD6"/>
+                </a:solidFill>
+                <a:latin typeface="Consolas" panose="020B0609020204030204" pitchFamily="49" charset="0"/>
+              </a:rPr>
+              <a:t>div</a:t>
+            </a:r>
+            <a:r>
+              <a:rPr lang="sr-Latn-RS">
+                <a:solidFill>
+                  <a:srgbClr val="D4D4D4"/>
+                </a:solidFill>
+                <a:latin typeface="Consolas" panose="020B0609020204030204" pitchFamily="49" charset="0"/>
+              </a:rPr>
+              <a:t> </a:t>
+            </a:r>
+            <a:r>
+              <a:rPr lang="sr-Latn-RS">
+                <a:solidFill>
+                  <a:srgbClr val="9CDCFE"/>
+                </a:solidFill>
+                <a:latin typeface="Consolas" panose="020B0609020204030204" pitchFamily="49" charset="0"/>
+              </a:rPr>
+              <a:t>id</a:t>
+            </a:r>
+            <a:r>
+              <a:rPr lang="sr-Latn-RS">
+                <a:solidFill>
+                  <a:srgbClr val="D4D4D4"/>
+                </a:solidFill>
+                <a:latin typeface="Consolas" panose="020B0609020204030204" pitchFamily="49" charset="0"/>
+              </a:rPr>
+              <a:t>=</a:t>
+            </a:r>
+            <a:r>
+              <a:rPr lang="sr-Latn-RS">
+                <a:solidFill>
+                  <a:srgbClr val="CE9178"/>
+                </a:solidFill>
+                <a:latin typeface="Consolas" panose="020B0609020204030204" pitchFamily="49" charset="0"/>
+              </a:rPr>
+              <a:t>"green"</a:t>
+            </a:r>
+            <a:r>
+              <a:rPr lang="sr-Latn-RS">
+                <a:solidFill>
+                  <a:srgbClr val="D4D4D4"/>
+                </a:solidFill>
+                <a:latin typeface="Consolas" panose="020B0609020204030204" pitchFamily="49" charset="0"/>
+              </a:rPr>
+              <a:t> </a:t>
+            </a:r>
+            <a:r>
+              <a:rPr lang="sr-Latn-RS">
+                <a:solidFill>
+                  <a:srgbClr val="9CDCFE"/>
+                </a:solidFill>
+                <a:latin typeface="Consolas" panose="020B0609020204030204" pitchFamily="49" charset="0"/>
+              </a:rPr>
+              <a:t>style</a:t>
+            </a:r>
+            <a:r>
+              <a:rPr lang="sr-Latn-RS">
+                <a:solidFill>
+                  <a:srgbClr val="D4D4D4"/>
+                </a:solidFill>
+                <a:latin typeface="Consolas" panose="020B0609020204030204" pitchFamily="49" charset="0"/>
+              </a:rPr>
+              <a:t>=</a:t>
+            </a:r>
+            <a:r>
+              <a:rPr lang="sr-Latn-RS">
+                <a:solidFill>
+                  <a:srgbClr val="CE9178"/>
+                </a:solidFill>
+                <a:latin typeface="Consolas" panose="020B0609020204030204" pitchFamily="49" charset="0"/>
+              </a:rPr>
+              <a:t>"background:green; width:200px; height:20px;"</a:t>
+            </a:r>
+            <a:r>
+              <a:rPr lang="sr-Latn-RS">
+                <a:solidFill>
+                  <a:srgbClr val="808080"/>
+                </a:solidFill>
+                <a:latin typeface="Consolas" panose="020B0609020204030204" pitchFamily="49" charset="0"/>
+              </a:rPr>
+              <a:t>&gt;&lt;/</a:t>
+            </a:r>
+            <a:r>
+              <a:rPr lang="sr-Latn-RS">
+                <a:solidFill>
+                  <a:srgbClr val="569CD6"/>
+                </a:solidFill>
+                <a:latin typeface="Consolas" panose="020B0609020204030204" pitchFamily="49" charset="0"/>
+              </a:rPr>
+              <a:t>div</a:t>
+            </a:r>
+            <a:r>
+              <a:rPr lang="sr-Latn-RS">
+                <a:solidFill>
+                  <a:srgbClr val="808080"/>
+                </a:solidFill>
+                <a:latin typeface="Consolas" panose="020B0609020204030204" pitchFamily="49" charset="0"/>
+              </a:rPr>
+              <a:t>&gt;</a:t>
+            </a:r>
+            <a:endParaRPr lang="sr-Latn-RS">
+              <a:solidFill>
+                <a:srgbClr val="D4D4D4"/>
+              </a:solidFill>
+              <a:latin typeface="Consolas" panose="020B0609020204030204" pitchFamily="49" charset="0"/>
+            </a:endParaRPr>
+          </a:p>
+          <a:p>
+            <a:r>
+              <a:rPr lang="sr-Latn-RS">
+                <a:solidFill>
+                  <a:srgbClr val="808080"/>
+                </a:solidFill>
+                <a:latin typeface="Consolas" panose="020B0609020204030204" pitchFamily="49" charset="0"/>
+              </a:rPr>
+              <a:t>&lt;</a:t>
+            </a:r>
+            <a:r>
+              <a:rPr lang="sr-Latn-RS">
+                <a:solidFill>
+                  <a:srgbClr val="569CD6"/>
+                </a:solidFill>
+                <a:latin typeface="Consolas" panose="020B0609020204030204" pitchFamily="49" charset="0"/>
+              </a:rPr>
+              <a:t>script</a:t>
+            </a:r>
+            <a:r>
+              <a:rPr lang="sr-Latn-RS">
+                <a:solidFill>
+                  <a:srgbClr val="D4D4D4"/>
+                </a:solidFill>
+                <a:latin typeface="Consolas" panose="020B0609020204030204" pitchFamily="49" charset="0"/>
+              </a:rPr>
+              <a:t> </a:t>
+            </a:r>
+            <a:r>
+              <a:rPr lang="sr-Latn-RS">
+                <a:solidFill>
+                  <a:srgbClr val="9CDCFE"/>
+                </a:solidFill>
+                <a:latin typeface="Consolas" panose="020B0609020204030204" pitchFamily="49" charset="0"/>
+              </a:rPr>
+              <a:t>src</a:t>
+            </a:r>
+            <a:r>
+              <a:rPr lang="sr-Latn-RS">
+                <a:solidFill>
+                  <a:srgbClr val="D4D4D4"/>
+                </a:solidFill>
+                <a:latin typeface="Consolas" panose="020B0609020204030204" pitchFamily="49" charset="0"/>
+              </a:rPr>
+              <a:t>=</a:t>
+            </a:r>
+            <a:r>
+              <a:rPr lang="sr-Latn-RS">
+                <a:solidFill>
+                  <a:srgbClr val="CE9178"/>
+                </a:solidFill>
+                <a:latin typeface="Consolas" panose="020B0609020204030204" pitchFamily="49" charset="0"/>
+              </a:rPr>
+              <a:t>"myapp.js"</a:t>
+            </a:r>
+            <a:r>
+              <a:rPr lang="sr-Latn-RS">
+                <a:solidFill>
+                  <a:srgbClr val="808080"/>
+                </a:solidFill>
+                <a:latin typeface="Consolas" panose="020B0609020204030204" pitchFamily="49" charset="0"/>
+              </a:rPr>
+              <a:t>&gt;&lt;/</a:t>
+            </a:r>
+            <a:r>
+              <a:rPr lang="sr-Latn-RS">
+                <a:solidFill>
+                  <a:srgbClr val="569CD6"/>
+                </a:solidFill>
+                <a:latin typeface="Consolas" panose="020B0609020204030204" pitchFamily="49" charset="0"/>
+              </a:rPr>
+              <a:t>script</a:t>
+            </a:r>
+            <a:r>
+              <a:rPr lang="sr-Latn-RS">
+                <a:solidFill>
+                  <a:srgbClr val="808080"/>
+                </a:solidFill>
+                <a:latin typeface="Consolas" panose="020B0609020204030204" pitchFamily="49" charset="0"/>
+              </a:rPr>
+              <a:t>&gt;</a:t>
+            </a:r>
+            <a:endParaRPr lang="sr-Latn-RS">
+              <a:solidFill>
+                <a:srgbClr val="D4D4D4"/>
+              </a:solidFill>
+              <a:latin typeface="Consolas" panose="020B0609020204030204" pitchFamily="49" charset="0"/>
+            </a:endParaRPr>
+          </a:p>
+          <a:p>
+            <a:r>
+              <a:rPr lang="sr-Latn-RS">
+                <a:solidFill>
+                  <a:srgbClr val="808080"/>
+                </a:solidFill>
+                <a:latin typeface="Consolas" panose="020B0609020204030204" pitchFamily="49" charset="0"/>
+              </a:rPr>
+              <a:t>&lt;/</a:t>
+            </a:r>
+            <a:r>
+              <a:rPr lang="sr-Latn-RS">
+                <a:solidFill>
+                  <a:srgbClr val="569CD6"/>
+                </a:solidFill>
+                <a:latin typeface="Consolas" panose="020B0609020204030204" pitchFamily="49" charset="0"/>
+              </a:rPr>
+              <a:t>body</a:t>
+            </a:r>
+            <a:r>
+              <a:rPr lang="sr-Latn-RS">
+                <a:solidFill>
+                  <a:srgbClr val="808080"/>
+                </a:solidFill>
+                <a:latin typeface="Consolas" panose="020B0609020204030204" pitchFamily="49" charset="0"/>
+              </a:rPr>
+              <a:t>&gt;</a:t>
+            </a:r>
+            <a:endParaRPr lang="sr-Latn-RS">
+              <a:solidFill>
+                <a:srgbClr val="D4D4D4"/>
+              </a:solidFill>
+              <a:latin typeface="Consolas" panose="020B0609020204030204" pitchFamily="49" charset="0"/>
+            </a:endParaRPr>
+          </a:p>
+          <a:p>
+            <a:r>
+              <a:rPr lang="sr-Latn-RS">
+                <a:solidFill>
+                  <a:srgbClr val="808080"/>
+                </a:solidFill>
+                <a:latin typeface="Consolas" panose="020B0609020204030204" pitchFamily="49" charset="0"/>
+              </a:rPr>
+              <a:t>&lt;/</a:t>
+            </a:r>
+            <a:r>
+              <a:rPr lang="sr-Latn-RS">
+                <a:solidFill>
+                  <a:srgbClr val="569CD6"/>
+                </a:solidFill>
+                <a:latin typeface="Consolas" panose="020B0609020204030204" pitchFamily="49" charset="0"/>
+              </a:rPr>
+              <a:t>html</a:t>
+            </a:r>
+            <a:r>
+              <a:rPr lang="sr-Latn-RS">
+                <a:solidFill>
+                  <a:srgbClr val="808080"/>
+                </a:solidFill>
+                <a:latin typeface="Consolas" panose="020B0609020204030204" pitchFamily="49" charset="0"/>
+              </a:rPr>
+              <a:t>&gt;</a:t>
+            </a:r>
+            <a:endParaRPr lang="sr-Latn-RS">
+              <a:solidFill>
+                <a:srgbClr val="D4D4D4"/>
+              </a:solidFill>
+              <a:latin typeface="Consolas" panose="020B0609020204030204" pitchFamily="49" charset="0"/>
+            </a:endParaRPr>
+          </a:p>
+          <a:p>
+            <a:pPr marL="0" indent="0">
+              <a:buNone/>
+            </a:pPr>
             <a:endParaRPr lang="sr-Latn-RS"/>
           </a:p>
         </p:txBody>
       </p:sp>
+      <p:pic>
+        <p:nvPicPr>
+          <p:cNvPr id="6" name="Content Placeholder 5"/>
+          <p:cNvPicPr>
+            <a:picLocks noGrp="1" noChangeAspect="1"/>
+          </p:cNvPicPr>
+          <p:nvPr>
+            <p:ph sz="half" idx="2"/>
+          </p:nvPr>
+        </p:nvPicPr>
+        <p:blipFill>
+          <a:blip r:embed="rId2"/>
+          <a:stretch>
+            <a:fillRect/>
+          </a:stretch>
+        </p:blipFill>
+        <p:spPr>
+          <a:xfrm>
+            <a:off x="6685356" y="2199886"/>
+            <a:ext cx="4545919" cy="1665531"/>
+          </a:xfrm>
+          <a:prstGeom prst="rect">
+            <a:avLst/>
+          </a:prstGeom>
+        </p:spPr>
+      </p:pic>
+    </p:spTree>
+    <p:extLst>
+      <p:ext uri="{BB962C8B-B14F-4D97-AF65-F5344CB8AC3E}">
+        <p14:creationId xmlns:p14="http://schemas.microsoft.com/office/powerpoint/2010/main" val="3540782906"/>
+      </p:ext>
+    </p:extLst>
+  </p:cSld>
+  <p:clrMapOvr>
+    <a:masterClrMapping/>
+  </p:clrMapOvr>
+</p:sld>
+</file>
+
+<file path=ppt/slides/slide6.xml><?xml version="1.0" encoding="utf-8"?>
+<p:sld xmlns:a="http://schemas.openxmlformats.org/drawingml/2006/main" xmlns:r="http://schemas.openxmlformats.org/officeDocument/2006/relationships" xmlns:p="http://schemas.openxmlformats.org/presentationml/2006/main">
+  <p:cSld>
+    <p:spTree>
+      <p:nvGrpSpPr>
+        <p:cNvPr id="1" name=""/>
+        <p:cNvGrpSpPr/>
+        <p:nvPr/>
+      </p:nvGrpSpPr>
+      <p:grpSpPr>
+        <a:xfrm>
+          <a:off x="0" y="0"/>
+          <a:ext cx="0" cy="0"/>
+          <a:chOff x="0" y="0"/>
+          <a:chExt cx="0" cy="0"/>
+        </a:xfrm>
+      </p:grpSpPr>
       <p:sp>
         <p:nvSpPr>
-          <p:cNvPr id="5" name="Content Placeholder 4"/>
+          <p:cNvPr id="2" name="Title 1"/>
           <p:cNvSpPr>
             <a:spLocks noGrp="1"/>
           </p:cNvSpPr>
           <p:nvPr>
-            <p:ph sz="half" idx="2"/>
+            <p:ph type="title"/>
           </p:nvPr>
         </p:nvSpPr>
         <p:spPr/>
@@ -8074,6 +9282,139 @@
           <a:bodyPr/>
           <a:lstStyle/>
           <a:p>
+            <a:r>
+              <a:rPr lang="en-US" smtClean="0"/>
+              <a:t>Primer sa nizom kontrola</a:t>
+            </a:r>
+            <a:endParaRPr lang="sr-Latn-RS"/>
+          </a:p>
+        </p:txBody>
+      </p:sp>
+      <p:pic>
+        <p:nvPicPr>
+          <p:cNvPr id="5" name="Content Placeholder 4"/>
+          <p:cNvPicPr>
+            <a:picLocks noGrp="1" noChangeAspect="1"/>
+          </p:cNvPicPr>
+          <p:nvPr>
+            <p:ph sz="half" idx="1"/>
+          </p:nvPr>
+        </p:nvPicPr>
+        <p:blipFill>
+          <a:blip r:embed="rId2"/>
+          <a:stretch>
+            <a:fillRect/>
+          </a:stretch>
+        </p:blipFill>
+        <p:spPr>
+          <a:xfrm>
+            <a:off x="4674140" y="3261479"/>
+            <a:ext cx="3248478" cy="3458058"/>
+          </a:xfrm>
+          <a:prstGeom prst="rect">
+            <a:avLst/>
+          </a:prstGeom>
+        </p:spPr>
+      </p:pic>
+      <p:pic>
+        <p:nvPicPr>
+          <p:cNvPr id="6" name="Content Placeholder 5"/>
+          <p:cNvPicPr>
+            <a:picLocks noGrp="1" noChangeAspect="1"/>
+          </p:cNvPicPr>
+          <p:nvPr>
+            <p:ph sz="half" idx="2"/>
+          </p:nvPr>
+        </p:nvPicPr>
+        <p:blipFill>
+          <a:blip r:embed="rId3"/>
+          <a:stretch>
+            <a:fillRect/>
+          </a:stretch>
+        </p:blipFill>
+        <p:spPr>
+          <a:xfrm>
+            <a:off x="6298379" y="1301137"/>
+            <a:ext cx="5384885" cy="1724696"/>
+          </a:xfrm>
+          <a:prstGeom prst="rect">
+            <a:avLst/>
+          </a:prstGeom>
+        </p:spPr>
+      </p:pic>
+      <p:pic>
+        <p:nvPicPr>
+          <p:cNvPr id="7" name="Picture 6"/>
+          <p:cNvPicPr>
+            <a:picLocks noChangeAspect="1"/>
+          </p:cNvPicPr>
+          <p:nvPr/>
+        </p:nvPicPr>
+        <p:blipFill>
+          <a:blip r:embed="rId4"/>
+          <a:stretch>
+            <a:fillRect/>
+          </a:stretch>
+        </p:blipFill>
+        <p:spPr>
+          <a:xfrm>
+            <a:off x="508136" y="1403779"/>
+            <a:ext cx="3321554" cy="3187700"/>
+          </a:xfrm>
+          <a:prstGeom prst="rect">
+            <a:avLst/>
+          </a:prstGeom>
+        </p:spPr>
+      </p:pic>
+    </p:spTree>
+    <p:extLst>
+      <p:ext uri="{BB962C8B-B14F-4D97-AF65-F5344CB8AC3E}">
+        <p14:creationId xmlns:p14="http://schemas.microsoft.com/office/powerpoint/2010/main" val="2512226839"/>
+      </p:ext>
+    </p:extLst>
+  </p:cSld>
+  <p:clrMapOvr>
+    <a:masterClrMapping/>
+  </p:clrMapOvr>
+</p:sld>
+</file>
+
+<file path=ppt/slides/slide7.xml><?xml version="1.0" encoding="utf-8"?>
+<p:sld xmlns:a="http://schemas.openxmlformats.org/drawingml/2006/main" xmlns:r="http://schemas.openxmlformats.org/officeDocument/2006/relationships" xmlns:p="http://schemas.openxmlformats.org/presentationml/2006/main">
+  <p:cSld>
+    <p:spTree>
+      <p:nvGrpSpPr>
+        <p:cNvPr id="1" name=""/>
+        <p:cNvGrpSpPr/>
+        <p:nvPr/>
+      </p:nvGrpSpPr>
+      <p:grpSpPr>
+        <a:xfrm>
+          <a:off x="0" y="0"/>
+          <a:ext cx="0" cy="0"/>
+          <a:chOff x="0" y="0"/>
+          <a:chExt cx="0" cy="0"/>
+        </a:xfrm>
+      </p:grpSpPr>
+      <p:sp>
+        <p:nvSpPr>
+          <p:cNvPr id="5" name="Title 4"/>
+          <p:cNvSpPr>
+            <a:spLocks noGrp="1"/>
+          </p:cNvSpPr>
+          <p:nvPr>
+            <p:ph type="title"/>
+          </p:nvPr>
+        </p:nvSpPr>
+        <p:spPr/>
+        <p:txBody>
+          <a:bodyPr/>
+          <a:lstStyle/>
+          <a:p>
+            <a:r>
+              <a:rPr lang="sr-Latn-RS" smtClean="0"/>
+              <a:t>Flex Box</a:t>
+            </a:r>
             <a:endParaRPr lang="sr-Latn-RS"/>
           </a:p>
         </p:txBody>
@@ -8081,7 +9422,119 @@
     </p:spTree>
     <p:extLst>
       <p:ext uri="{BB962C8B-B14F-4D97-AF65-F5344CB8AC3E}">
-        <p14:creationId xmlns:p14="http://schemas.microsoft.com/office/powerpoint/2010/main" val="3540782906"/>
+        <p14:creationId xmlns:p14="http://schemas.microsoft.com/office/powerpoint/2010/main" val="1501376906"/>
+      </p:ext>
+    </p:extLst>
+  </p:cSld>
+  <p:clrMapOvr>
+    <a:masterClrMapping/>
+  </p:clrMapOvr>
+</p:sld>
+</file>
+
+<file path=ppt/slides/slide8.xml><?xml version="1.0" encoding="utf-8"?>
+<p:sld xmlns:a="http://schemas.openxmlformats.org/drawingml/2006/main" xmlns:r="http://schemas.openxmlformats.org/officeDocument/2006/relationships" xmlns:p="http://schemas.openxmlformats.org/presentationml/2006/main">
+  <p:cSld>
+    <p:spTree>
+      <p:nvGrpSpPr>
+        <p:cNvPr id="1" name=""/>
+        <p:cNvGrpSpPr/>
+        <p:nvPr/>
+      </p:nvGrpSpPr>
+      <p:grpSpPr>
+        <a:xfrm>
+          <a:off x="0" y="0"/>
+          <a:ext cx="0" cy="0"/>
+          <a:chOff x="0" y="0"/>
+          <a:chExt cx="0" cy="0"/>
+        </a:xfrm>
+      </p:grpSpPr>
+      <p:pic>
+        <p:nvPicPr>
+          <p:cNvPr id="4" name="Content Placeholder 3"/>
+          <p:cNvPicPr>
+            <a:picLocks noGrp="1" noChangeAspect="1"/>
+          </p:cNvPicPr>
+          <p:nvPr>
+            <p:ph sz="quarter" idx="10"/>
+          </p:nvPr>
+        </p:nvPicPr>
+        <p:blipFill>
+          <a:blip r:embed="rId2"/>
+          <a:stretch>
+            <a:fillRect/>
+          </a:stretch>
+        </p:blipFill>
+        <p:spPr>
+          <a:xfrm>
+            <a:off x="568373" y="869720"/>
+            <a:ext cx="8611802" cy="3496163"/>
+          </a:xfrm>
+          <a:prstGeom prst="rect">
+            <a:avLst/>
+          </a:prstGeom>
+        </p:spPr>
+      </p:pic>
+    </p:spTree>
+    <p:extLst>
+      <p:ext uri="{BB962C8B-B14F-4D97-AF65-F5344CB8AC3E}">
+        <p14:creationId xmlns:p14="http://schemas.microsoft.com/office/powerpoint/2010/main" val="2904112788"/>
+      </p:ext>
+    </p:extLst>
+  </p:cSld>
+  <p:clrMapOvr>
+    <a:masterClrMapping/>
+  </p:clrMapOvr>
+</p:sld>
+</file>
+
+<file path=ppt/slides/slide9.xml><?xml version="1.0" encoding="utf-8"?>
+<p:sld xmlns:a="http://schemas.openxmlformats.org/drawingml/2006/main" xmlns:r="http://schemas.openxmlformats.org/officeDocument/2006/relationships" xmlns:p="http://schemas.openxmlformats.org/presentationml/2006/main">
+  <p:cSld>
+    <p:spTree>
+      <p:nvGrpSpPr>
+        <p:cNvPr id="1" name=""/>
+        <p:cNvGrpSpPr/>
+        <p:nvPr/>
+      </p:nvGrpSpPr>
+      <p:grpSpPr>
+        <a:xfrm>
+          <a:off x="0" y="0"/>
+          <a:ext cx="0" cy="0"/>
+          <a:chOff x="0" y="0"/>
+          <a:chExt cx="0" cy="0"/>
+        </a:xfrm>
+      </p:grpSpPr>
+      <p:pic>
+        <p:nvPicPr>
+          <p:cNvPr id="4" name="Content Placeholder 3"/>
+          <p:cNvPicPr>
+            <a:picLocks noGrp="1" noChangeAspect="1"/>
+          </p:cNvPicPr>
+          <p:nvPr>
+            <p:ph sz="quarter" idx="10"/>
+          </p:nvPr>
+        </p:nvPicPr>
+        <p:blipFill>
+          <a:blip r:embed="rId2"/>
+          <a:stretch>
+            <a:fillRect/>
+          </a:stretch>
+        </p:blipFill>
+        <p:spPr>
+          <a:xfrm>
+            <a:off x="501535" y="979236"/>
+            <a:ext cx="9028113" cy="3509889"/>
+          </a:xfrm>
+          <a:prstGeom prst="rect">
+            <a:avLst/>
+          </a:prstGeom>
+        </p:spPr>
+      </p:pic>
+    </p:spTree>
+    <p:extLst>
+      <p:ext uri="{BB962C8B-B14F-4D97-AF65-F5344CB8AC3E}">
+        <p14:creationId xmlns:p14="http://schemas.microsoft.com/office/powerpoint/2010/main" val="1277165363"/>
       </p:ext>
     </p:extLst>
   </p:cSld>

--- a/sesija-18/PPT/Front-End Developer-18.pptx
+++ b/sesija-18/PPT/Front-End Developer-18.pptx
@@ -2517,7 +2517,7 @@
           <a:p>
             <a:fld id="{D32AC403-8EB1-4D4E-8C3A-24BD19820531}" type="datetimeFigureOut">
               <a:rPr lang="en-US" smtClean="0"/>
-              <a:t>20-Mar-18</a:t>
+              <a:t>21-Mar-18</a:t>
             </a:fld>
             <a:endParaRPr lang="en-US"/>
           </a:p>
@@ -3263,7 +3263,7 @@
           <a:p>
             <a:fld id="{B35B300D-7DF5-4E96-8AA6-60E94C6E9F44}" type="datetimeFigureOut">
               <a:rPr lang="sr-Latn-RS" smtClean="0"/>
-              <a:t>20.3.2018.</a:t>
+              <a:t>21.3.2018.</a:t>
             </a:fld>
             <a:endParaRPr lang="sr-Latn-RS"/>
           </a:p>
@@ -3697,7 +3697,7 @@
           <a:p>
             <a:fld id="{B35B300D-7DF5-4E96-8AA6-60E94C6E9F44}" type="datetimeFigureOut">
               <a:rPr lang="sr-Latn-RS" smtClean="0"/>
-              <a:t>20.3.2018.</a:t>
+              <a:t>21.3.2018.</a:t>
             </a:fld>
             <a:endParaRPr lang="sr-Latn-RS"/>
           </a:p>
@@ -4071,7 +4071,7 @@
           <a:p>
             <a:fld id="{B35B300D-7DF5-4E96-8AA6-60E94C6E9F44}" type="datetimeFigureOut">
               <a:rPr lang="sr-Latn-RS" smtClean="0"/>
-              <a:t>20.3.2018.</a:t>
+              <a:t>21.3.2018.</a:t>
             </a:fld>
             <a:endParaRPr lang="sr-Latn-RS"/>
           </a:p>
@@ -4355,7 +4355,7 @@
           <a:p>
             <a:fld id="{B35B300D-7DF5-4E96-8AA6-60E94C6E9F44}" type="datetimeFigureOut">
               <a:rPr lang="sr-Latn-RS" smtClean="0"/>
-              <a:t>20.3.2018.</a:t>
+              <a:t>21.3.2018.</a:t>
             </a:fld>
             <a:endParaRPr lang="sr-Latn-RS"/>
           </a:p>
@@ -4532,7 +4532,7 @@
           <a:p>
             <a:fld id="{B35B300D-7DF5-4E96-8AA6-60E94C6E9F44}" type="datetimeFigureOut">
               <a:rPr lang="sr-Latn-RS" smtClean="0"/>
-              <a:t>20.3.2018.</a:t>
+              <a:t>21.3.2018.</a:t>
             </a:fld>
             <a:endParaRPr lang="sr-Latn-RS"/>
           </a:p>
@@ -4719,7 +4719,7 @@
           <a:p>
             <a:fld id="{B35B300D-7DF5-4E96-8AA6-60E94C6E9F44}" type="datetimeFigureOut">
               <a:rPr lang="sr-Latn-RS" smtClean="0"/>
-              <a:t>20.3.2018.</a:t>
+              <a:t>21.3.2018.</a:t>
             </a:fld>
             <a:endParaRPr lang="sr-Latn-RS"/>
           </a:p>
@@ -4966,7 +4966,7 @@
           <a:p>
             <a:fld id="{B35B300D-7DF5-4E96-8AA6-60E94C6E9F44}" type="datetimeFigureOut">
               <a:rPr lang="sr-Latn-RS" smtClean="0"/>
-              <a:t>20.3.2018.</a:t>
+              <a:t>21.3.2018.</a:t>
             </a:fld>
             <a:endParaRPr lang="sr-Latn-RS"/>
           </a:p>
@@ -5250,7 +5250,7 @@
           <a:p>
             <a:fld id="{B35B300D-7DF5-4E96-8AA6-60E94C6E9F44}" type="datetimeFigureOut">
               <a:rPr lang="sr-Latn-RS" smtClean="0"/>
-              <a:t>20.3.2018.</a:t>
+              <a:t>21.3.2018.</a:t>
             </a:fld>
             <a:endParaRPr lang="sr-Latn-RS"/>
           </a:p>
@@ -7169,7 +7169,7 @@
           <a:p>
             <a:fld id="{B35B300D-7DF5-4E96-8AA6-60E94C6E9F44}" type="datetimeFigureOut">
               <a:rPr lang="sr-Latn-RS" smtClean="0"/>
-              <a:t>20.3.2018.</a:t>
+              <a:t>21.3.2018.</a:t>
             </a:fld>
             <a:endParaRPr lang="sr-Latn-RS"/>
           </a:p>
@@ -7767,7 +7767,7 @@
         </p:blipFill>
         <p:spPr>
           <a:xfrm>
-            <a:off x="3497329" y="2874903"/>
+            <a:off x="3613707" y="2908154"/>
             <a:ext cx="6486257" cy="3599274"/>
           </a:xfrm>
           <a:prstGeom prst="rect">
@@ -7822,11 +7822,7 @@
           <a:p>
             <a:r>
               <a:rPr lang="en-US"/>
-              <a:t>Layouts of the Future - </a:t>
-            </a:r>
-            <a:r>
-              <a:rPr lang="en-US"/>
-              <a:t>Flexbox </a:t>
+              <a:t>Layouts of the Future - Flexbox </a:t>
             </a:r>
             <a:r>
               <a:rPr lang="en-US" smtClean="0"/>
@@ -7855,13 +7851,7 @@
               <a:rPr lang="sr-Latn-RS">
                 <a:hlinkClick r:id="rId2"/>
               </a:rPr>
-              <a:t>https://scotch.io</a:t>
-            </a:r>
-            <a:r>
-              <a:rPr lang="sr-Latn-RS">
-                <a:hlinkClick r:id="rId2"/>
-              </a:rPr>
-              <a:t>/@</a:t>
+              <a:t>https://scotch.io/@</a:t>
             </a:r>
             <a:r>
               <a:rPr lang="sr-Latn-RS" smtClean="0">
@@ -7981,20 +7971,50 @@
       </p:sp>
       <p:sp>
         <p:nvSpPr>
-          <p:cNvPr id="4" name="Content Placeholder 3"/>
+          <p:cNvPr id="5" name="Content Placeholder 2"/>
           <p:cNvSpPr>
             <a:spLocks noGrp="1"/>
           </p:cNvSpPr>
           <p:nvPr>
-            <p:ph sz="half" idx="2"/>
+            <p:ph sz="half" idx="1"/>
           </p:nvPr>
         </p:nvSpPr>
-        <p:spPr/>
+        <p:spPr>
+          <a:xfrm>
+            <a:off x="7010400" y="1418400"/>
+            <a:ext cx="5181600" cy="4351338"/>
+          </a:xfrm>
+        </p:spPr>
         <p:txBody>
           <a:bodyPr/>
           <a:lstStyle/>
           <a:p>
-            <a:endParaRPr lang="sr-Latn-RS"/>
+            <a:r>
+              <a:rPr lang="en-US"/>
+              <a:t>Za </a:t>
+            </a:r>
+            <a:r>
+              <a:rPr lang="en-US"/>
+              <a:t>napredne </a:t>
+            </a:r>
+            <a:r>
+              <a:rPr lang="en-US" smtClean="0"/>
+              <a:t>studente </a:t>
+            </a:r>
+            <a:r>
+              <a:rPr lang="en-US">
+                <a:sym typeface="Wingdings" panose="05000000000000000000" pitchFamily="2" charset="2"/>
+              </a:rPr>
+              <a:t></a:t>
+            </a:r>
+            <a:endParaRPr lang="en-US"/>
+          </a:p>
+          <a:p>
+            <a:pPr lvl="1"/>
+            <a:r>
+              <a:rPr lang="en-US" smtClean="0"/>
+              <a:t>Klikom na zastavu, otvoriti novi prozor browsera sa linkom na wiki stranicu te zemlje (general). </a:t>
+            </a:r>
           </a:p>
         </p:txBody>
       </p:sp>
